--- a/MFPBankDemo.pptx
+++ b/MFPBankDemo.pptx
@@ -203,7 +203,7 @@
           <a:p>
             <a:fld id="{B7039875-1219-C347-919B-0DD773A8EE08}" type="datetimeFigureOut">
               <a:rPr lang="en-US" smtClean="0"/>
-              <a:t>5/26/15</a:t>
+              <a:t>5/29/15</a:t>
             </a:fld>
             <a:endParaRPr lang="en-US"/>
           </a:p>
@@ -1661,7 +1661,7 @@
           <a:p>
             <a:fld id="{D4724B83-AD50-0446-989D-D98BD8AD9974}" type="datetimeFigureOut">
               <a:rPr lang="en-US" smtClean="0"/>
-              <a:t>5/26/15</a:t>
+              <a:t>5/29/15</a:t>
             </a:fld>
             <a:endParaRPr lang="en-US"/>
           </a:p>
@@ -1831,7 +1831,7 @@
           <a:p>
             <a:fld id="{D4724B83-AD50-0446-989D-D98BD8AD9974}" type="datetimeFigureOut">
               <a:rPr lang="en-US" smtClean="0"/>
-              <a:t>5/26/15</a:t>
+              <a:t>5/29/15</a:t>
             </a:fld>
             <a:endParaRPr lang="en-US"/>
           </a:p>
@@ -2011,7 +2011,7 @@
           <a:p>
             <a:fld id="{D4724B83-AD50-0446-989D-D98BD8AD9974}" type="datetimeFigureOut">
               <a:rPr lang="en-US" smtClean="0"/>
-              <a:t>5/26/15</a:t>
+              <a:t>5/29/15</a:t>
             </a:fld>
             <a:endParaRPr lang="en-US"/>
           </a:p>
@@ -2181,7 +2181,7 @@
           <a:p>
             <a:fld id="{D4724B83-AD50-0446-989D-D98BD8AD9974}" type="datetimeFigureOut">
               <a:rPr lang="en-US" smtClean="0"/>
-              <a:t>5/26/15</a:t>
+              <a:t>5/29/15</a:t>
             </a:fld>
             <a:endParaRPr lang="en-US"/>
           </a:p>
@@ -2427,7 +2427,7 @@
           <a:p>
             <a:fld id="{D4724B83-AD50-0446-989D-D98BD8AD9974}" type="datetimeFigureOut">
               <a:rPr lang="en-US" smtClean="0"/>
-              <a:t>5/26/15</a:t>
+              <a:t>5/29/15</a:t>
             </a:fld>
             <a:endParaRPr lang="en-US"/>
           </a:p>
@@ -2715,7 +2715,7 @@
           <a:p>
             <a:fld id="{D4724B83-AD50-0446-989D-D98BD8AD9974}" type="datetimeFigureOut">
               <a:rPr lang="en-US" smtClean="0"/>
-              <a:t>5/26/15</a:t>
+              <a:t>5/29/15</a:t>
             </a:fld>
             <a:endParaRPr lang="en-US"/>
           </a:p>
@@ -3137,7 +3137,7 @@
           <a:p>
             <a:fld id="{D4724B83-AD50-0446-989D-D98BD8AD9974}" type="datetimeFigureOut">
               <a:rPr lang="en-US" smtClean="0"/>
-              <a:t>5/26/15</a:t>
+              <a:t>5/29/15</a:t>
             </a:fld>
             <a:endParaRPr lang="en-US"/>
           </a:p>
@@ -3255,7 +3255,7 @@
           <a:p>
             <a:fld id="{D4724B83-AD50-0446-989D-D98BD8AD9974}" type="datetimeFigureOut">
               <a:rPr lang="en-US" smtClean="0"/>
-              <a:t>5/26/15</a:t>
+              <a:t>5/29/15</a:t>
             </a:fld>
             <a:endParaRPr lang="en-US"/>
           </a:p>
@@ -3350,7 +3350,7 @@
           <a:p>
             <a:fld id="{D4724B83-AD50-0446-989D-D98BD8AD9974}" type="datetimeFigureOut">
               <a:rPr lang="en-US" smtClean="0"/>
-              <a:t>5/26/15</a:t>
+              <a:t>5/29/15</a:t>
             </a:fld>
             <a:endParaRPr lang="en-US"/>
           </a:p>
@@ -3627,7 +3627,7 @@
           <a:p>
             <a:fld id="{D4724B83-AD50-0446-989D-D98BD8AD9974}" type="datetimeFigureOut">
               <a:rPr lang="en-US" smtClean="0"/>
-              <a:t>5/26/15</a:t>
+              <a:t>5/29/15</a:t>
             </a:fld>
             <a:endParaRPr lang="en-US"/>
           </a:p>
@@ -3880,7 +3880,7 @@
           <a:p>
             <a:fld id="{D4724B83-AD50-0446-989D-D98BD8AD9974}" type="datetimeFigureOut">
               <a:rPr lang="en-US" smtClean="0"/>
-              <a:t>5/26/15</a:t>
+              <a:t>5/29/15</a:t>
             </a:fld>
             <a:endParaRPr lang="en-US"/>
           </a:p>
@@ -4093,7 +4093,7 @@
           <a:p>
             <a:fld id="{D4724B83-AD50-0446-989D-D98BD8AD9974}" type="datetimeFigureOut">
               <a:rPr lang="en-US" smtClean="0"/>
-              <a:t>5/26/15</a:t>
+              <a:t>5/29/15</a:t>
             </a:fld>
             <a:endParaRPr lang="en-US"/>
           </a:p>
@@ -4542,16 +4542,10 @@
               <a:t>Code Repository: </a:t>
             </a:r>
             <a:r>
-              <a:rPr lang="en-US" sz="2000" dirty="0">
-                <a:hlinkClick r:id="rId3"/>
-              </a:rPr>
-              <a:t>https://hub.jazz.net/project/csantana/</a:t>
-            </a:r>
-            <a:r>
               <a:rPr lang="en-US" sz="2000" dirty="0" smtClean="0">
                 <a:hlinkClick r:id="rId3"/>
               </a:rPr>
-              <a:t>mfpbank</a:t>
+              <a:t>https://hub.jazz.net/project/csantana/mfp-bank</a:t>
             </a:r>
             <a:endParaRPr lang="en-US" sz="2000" dirty="0" smtClean="0"/>
           </a:p>
@@ -4571,6 +4565,13 @@
   <p:clrMapOvr>
     <a:masterClrMapping/>
   </p:clrMapOvr>
+  <p:timing>
+    <p:tnLst>
+      <p:par>
+        <p:cTn xmlns:p14="http://schemas.microsoft.com/office/powerpoint/2010/main" id="1" dur="indefinite" restart="never" nodeType="tmRoot"/>
+      </p:par>
+    </p:tnLst>
+  </p:timing>
 </p:sld>
 </file>
 
@@ -5338,6 +5339,13 @@
   <p:clrMapOvr>
     <a:masterClrMapping/>
   </p:clrMapOvr>
+  <p:timing>
+    <p:tnLst>
+      <p:par>
+        <p:cTn xmlns:p14="http://schemas.microsoft.com/office/powerpoint/2010/main" id="1" dur="indefinite" restart="never" nodeType="tmRoot"/>
+      </p:par>
+    </p:tnLst>
+  </p:timing>
 </p:sld>
 </file>
 
@@ -5490,6 +5498,13 @@
   <p:clrMapOvr>
     <a:masterClrMapping/>
   </p:clrMapOvr>
+  <p:timing>
+    <p:tnLst>
+      <p:par>
+        <p:cTn xmlns:p14="http://schemas.microsoft.com/office/powerpoint/2010/main" id="1" dur="indefinite" restart="never" nodeType="tmRoot"/>
+      </p:par>
+    </p:tnLst>
+  </p:timing>
 </p:sld>
 </file>
 
@@ -6021,11 +6036,7 @@
             <a:pPr lvl="1"/>
             <a:r>
               <a:rPr lang="en-US" dirty="0" smtClean="0"/>
-              <a:t>Save Offers </a:t>
-            </a:r>
-            <a:r>
-              <a:rPr lang="en-US" dirty="0" smtClean="0"/>
-              <a:t>on device for </a:t>
+              <a:t>Save Offers on device for </a:t>
             </a:r>
             <a:r>
               <a:rPr lang="en-US" smtClean="0"/>
